--- a/Day 2/day_2.pptx
+++ b/Day 2/day_2.pptx
@@ -198,7 +198,7 @@
           <a:p>
             <a:fld id="{C774434B-030C-D944-8C90-65D736C7D99A}" type="datetimeFigureOut">
               <a:rPr lang="en-US" smtClean="0"/>
-              <a:t>16/04/13</a:t>
+              <a:t>16/05/13</a:t>
             </a:fld>
             <a:endParaRPr lang="en-US"/>
           </a:p>
@@ -1266,7 +1266,7 @@
           <a:p>
             <a:fld id="{A4A6734C-E115-4BC5-9FB0-F9BF6FABFDA0}" type="datetimeFigureOut">
               <a:rPr lang="en-US" smtClean="0"/>
-              <a:t>16/04/13</a:t>
+              <a:t>16/05/13</a:t>
             </a:fld>
             <a:endParaRPr lang="en-US"/>
           </a:p>
@@ -1518,7 +1518,7 @@
           <a:p>
             <a:fld id="{A4A6734C-E115-4BC5-9FB0-F9BF6FABFDA0}" type="datetimeFigureOut">
               <a:rPr lang="en-US" smtClean="0"/>
-              <a:t>16/04/13</a:t>
+              <a:t>16/05/13</a:t>
             </a:fld>
             <a:endParaRPr lang="en-US"/>
           </a:p>
@@ -1917,7 +1917,7 @@
           <a:p>
             <a:fld id="{A4A6734C-E115-4BC5-9FB0-F9BF6FABFDA0}" type="datetimeFigureOut">
               <a:rPr lang="en-US" smtClean="0"/>
-              <a:t>16/04/13</a:t>
+              <a:t>16/05/13</a:t>
             </a:fld>
             <a:endParaRPr lang="en-US"/>
           </a:p>
@@ -2316,7 +2316,7 @@
           <a:p>
             <a:fld id="{A4A6734C-E115-4BC5-9FB0-F9BF6FABFDA0}" type="datetimeFigureOut">
               <a:rPr lang="en-US" smtClean="0"/>
-              <a:t>16/04/13</a:t>
+              <a:t>16/05/13</a:t>
             </a:fld>
             <a:endParaRPr lang="en-US"/>
           </a:p>
@@ -2769,7 +2769,7 @@
           <a:p>
             <a:fld id="{A4A6734C-E115-4BC5-9FB0-F9BF6FABFDA0}" type="datetimeFigureOut">
               <a:rPr lang="en-US" smtClean="0"/>
-              <a:t>16/04/13</a:t>
+              <a:t>16/05/13</a:t>
             </a:fld>
             <a:endParaRPr lang="en-US"/>
           </a:p>
@@ -3324,7 +3324,7 @@
           <a:p>
             <a:fld id="{A4A6734C-E115-4BC5-9FB0-F9BF6FABFDA0}" type="datetimeFigureOut">
               <a:rPr lang="en-US" smtClean="0"/>
-              <a:t>16/04/13</a:t>
+              <a:t>16/05/13</a:t>
             </a:fld>
             <a:endParaRPr lang="en-US"/>
           </a:p>
@@ -4013,7 +4013,7 @@
           <a:p>
             <a:fld id="{A4A6734C-E115-4BC5-9FB0-F9BF6FABFDA0}" type="datetimeFigureOut">
               <a:rPr lang="en-US" smtClean="0"/>
-              <a:t>16/04/13</a:t>
+              <a:t>16/05/13</a:t>
             </a:fld>
             <a:endParaRPr lang="en-US"/>
           </a:p>
@@ -4227,7 +4227,7 @@
           <a:p>
             <a:fld id="{A4A6734C-E115-4BC5-9FB0-F9BF6FABFDA0}" type="datetimeFigureOut">
               <a:rPr lang="en-US" smtClean="0"/>
-              <a:t>16/04/13</a:t>
+              <a:t>16/05/13</a:t>
             </a:fld>
             <a:endParaRPr lang="en-US"/>
           </a:p>
@@ -4427,7 +4427,7 @@
           <a:p>
             <a:fld id="{A4A6734C-E115-4BC5-9FB0-F9BF6FABFDA0}" type="datetimeFigureOut">
               <a:rPr lang="en-US" smtClean="0"/>
-              <a:t>16/04/13</a:t>
+              <a:t>16/05/13</a:t>
             </a:fld>
             <a:endParaRPr lang="en-US"/>
           </a:p>
@@ -4730,7 +4730,7 @@
           <a:p>
             <a:fld id="{A4A6734C-E115-4BC5-9FB0-F9BF6FABFDA0}" type="datetimeFigureOut">
               <a:rPr lang="en-US" smtClean="0"/>
-              <a:t>16/04/13</a:t>
+              <a:t>16/05/13</a:t>
             </a:fld>
             <a:endParaRPr lang="en-US"/>
           </a:p>
@@ -5351,7 +5351,7 @@
           <a:p>
             <a:fld id="{A4A6734C-E115-4BC5-9FB0-F9BF6FABFDA0}" type="datetimeFigureOut">
               <a:rPr lang="en-US" smtClean="0"/>
-              <a:t>16/04/13</a:t>
+              <a:t>16/05/13</a:t>
             </a:fld>
             <a:endParaRPr lang="en-US"/>
           </a:p>
@@ -5680,7 +5680,7 @@
           <a:p>
             <a:fld id="{A4A6734C-E115-4BC5-9FB0-F9BF6FABFDA0}" type="datetimeFigureOut">
               <a:rPr lang="en-US" smtClean="0"/>
-              <a:t>16/04/13</a:t>
+              <a:t>16/05/13</a:t>
             </a:fld>
             <a:endParaRPr lang="en-US"/>
           </a:p>
@@ -6153,7 +6153,7 @@
           <a:p>
             <a:fld id="{A4A6734C-E115-4BC5-9FB0-F9BF6FABFDA0}" type="datetimeFigureOut">
               <a:rPr lang="en-US" smtClean="0"/>
-              <a:t>16/04/13</a:t>
+              <a:t>16/05/13</a:t>
             </a:fld>
             <a:endParaRPr lang="en-US"/>
           </a:p>
@@ -6297,7 +6297,7 @@
           <a:p>
             <a:fld id="{A4A6734C-E115-4BC5-9FB0-F9BF6FABFDA0}" type="datetimeFigureOut">
               <a:rPr lang="en-US" smtClean="0"/>
-              <a:t>16/04/13</a:t>
+              <a:t>16/05/13</a:t>
             </a:fld>
             <a:endParaRPr lang="en-US"/>
           </a:p>
@@ -6387,7 +6387,7 @@
           <a:p>
             <a:fld id="{A4A6734C-E115-4BC5-9FB0-F9BF6FABFDA0}" type="datetimeFigureOut">
               <a:rPr lang="en-US" smtClean="0"/>
-              <a:t>16/04/13</a:t>
+              <a:t>16/05/13</a:t>
             </a:fld>
             <a:endParaRPr lang="en-US"/>
           </a:p>
@@ -6668,7 +6668,7 @@
           <a:p>
             <a:fld id="{A4A6734C-E115-4BC5-9FB0-F9BF6FABFDA0}" type="datetimeFigureOut">
               <a:rPr lang="en-US" smtClean="0"/>
-              <a:t>16/04/13</a:t>
+              <a:t>16/05/13</a:t>
             </a:fld>
             <a:endParaRPr lang="en-US"/>
           </a:p>
@@ -6964,7 +6964,7 @@
           <a:p>
             <a:fld id="{A4A6734C-E115-4BC5-9FB0-F9BF6FABFDA0}" type="datetimeFigureOut">
               <a:rPr lang="en-US" smtClean="0"/>
-              <a:t>16/04/13</a:t>
+              <a:t>16/05/13</a:t>
             </a:fld>
             <a:endParaRPr lang="en-US"/>
           </a:p>
@@ -7403,18 +7403,28 @@
               <a:rPr lang="fr-FR" dirty="0">
                 <a:hlinkClick r:id="rId2"/>
               </a:rPr>
-              <a:t>git@github.com:rohinik/Kranti-Android.git</a:t>
-            </a:r>
-            <a:endParaRPr lang="fr-FR" dirty="0"/>
-          </a:p>
-          <a:p>
-            <a:r>
-              <a:rPr lang="en-US" dirty="0" err="1" smtClean="0"/>
+              <a:t>git@github.com:androidbootcamp/Kranti-</a:t>
+            </a:r>
+            <a:r>
+              <a:rPr lang="fr-FR" dirty="0" smtClean="0">
+                <a:hlinkClick r:id="rId2"/>
+              </a:rPr>
+              <a:t>Android.git</a:t>
+            </a:r>
+            <a:endParaRPr lang="fr-FR" smtClean="0"/>
+          </a:p>
+          <a:p>
+            <a:r>
+              <a:rPr lang="en-US" smtClean="0"/>
               <a:t>Kranti</a:t>
             </a:r>
             <a:r>
               <a:rPr lang="en-US" dirty="0" smtClean="0"/>
-              <a:t> app is running properly in your device.</a:t>
+              <a:t> </a:t>
+            </a:r>
+            <a:r>
+              <a:rPr lang="en-US" dirty="0" smtClean="0"/>
+              <a:t>app is running properly in your device.</a:t>
             </a:r>
             <a:endParaRPr lang="en-US" dirty="0"/>
           </a:p>
@@ -7987,15 +7997,7 @@
                   <a:srgbClr val="000000"/>
                 </a:solidFill>
               </a:rPr>
-              <a:t>Using </a:t>
-            </a:r>
-            <a:r>
-              <a:rPr lang="en-US" dirty="0" smtClean="0">
-                <a:solidFill>
-                  <a:srgbClr val="000000"/>
-                </a:solidFill>
-              </a:rPr>
-              <a:t>data on layout</a:t>
+              <a:t>Using data on layout</a:t>
             </a:r>
           </a:p>
         </p:txBody>
